--- a/Examples/Data/Charts/SecondPlotOptionsforCharts_out.pptx
+++ b/Examples/Data/Charts/SecondPlotOptionsforCharts_out.pptx
@@ -1,6 +1,6 @@
 
 <file path=ppt/presentation.xml><?xml version="1.0" encoding="utf-8"?>
-<!--Generated by Aspose.Slides for .NET 19.6-->
+<!--Generated by Aspose.Slides for .NET 21.12-->
 <p:presentation xmlns:r="http://schemas.openxmlformats.org/officeDocument/2006/relationships" xmlns:a="http://schemas.openxmlformats.org/drawingml/2006/main" xmlns:p="http://schemas.openxmlformats.org/presentationml/2006/main" saveSubsetFonts="1">
   <p:sldMasterIdLst>
     <p:sldMasterId id="2147483648" r:id="rId1"/>
@@ -112,7 +112,7 @@
 </file>
 
 <file path=ppt/charts/chart1.xml><?xml version="1.0" encoding="utf-8"?>
-<c:chartSpace xmlns:a="http://schemas.openxmlformats.org/drawingml/2006/main" xmlns:r="http://schemas.openxmlformats.org/officeDocument/2006/relationships" xmlns:c="http://schemas.openxmlformats.org/drawingml/2006/chart">
+<c:chartSpace xmlns:a="http://schemas.openxmlformats.org/drawingml/2006/main" xmlns:r="http://schemas.openxmlformats.org/officeDocument/2006/relationships" xmlns:m="http://schemas.openxmlformats.org/officeDocument/2006/math" xmlns:w="http://schemas.openxmlformats.org/wordprocessingml/2006/main" xmlns:wp="http://schemas.openxmlformats.org/drawingml/2006/wordprocessingDrawing" xmlns:a14="http://schemas.microsoft.com/office/drawing/2010/main" xmlns:c="http://schemas.openxmlformats.org/drawingml/2006/chart">
   <c:date1904 val="0"/>
   <c:lang val="ru-RU"/>
   <c:roundedCorners val="0"/>
@@ -237,11 +237,11 @@
 </file>
 
 <file path=ppt/slideLayouts/slideLayout1.xml><?xml version="1.0" encoding="utf-8"?>
-<p:sldLayout xmlns:a="http://schemas.openxmlformats.org/drawingml/2006/main" xmlns:r="http://schemas.openxmlformats.org/officeDocument/2006/relationships" xmlns:p14="http://schemas.microsoft.com/office/powerpoint/2010/main" xmlns:a14="http://schemas.microsoft.com/office/drawing/2010/main" xmlns:p15="http://schemas.microsoft.com/office/powerpoint/2012/main" xmlns:p159="http://schemas.microsoft.com/office/powerpoint/2015/09/main" xmlns:p="http://schemas.openxmlformats.org/presentationml/2006/main" type="title" preserve="1">
+<p:sldLayout xmlns:a="http://schemas.openxmlformats.org/drawingml/2006/main" xmlns:r="http://schemas.openxmlformats.org/officeDocument/2006/relationships" xmlns:m="http://schemas.openxmlformats.org/officeDocument/2006/math" xmlns:w="http://schemas.openxmlformats.org/wordprocessingml/2006/main" xmlns:wp="http://schemas.openxmlformats.org/drawingml/2006/wordprocessingDrawing" xmlns:a14="http://schemas.microsoft.com/office/drawing/2010/main" xmlns:mc="http://schemas.openxmlformats.org/markup-compatibility/2006" xmlns:p14="http://schemas.microsoft.com/office/powerpoint/2010/main" xmlns:p15="http://schemas.microsoft.com/office/powerpoint/2012/main" xmlns:p159="http://schemas.microsoft.com/office/powerpoint/2015/09/main" xmlns:p="http://schemas.openxmlformats.org/presentationml/2006/main" type="title" preserve="1">
   <p:cSld name="Title Slide">
     <p:spTree>
       <p:nvGrpSpPr>
-        <p:cNvPr id="1" name=""/>
+        <p:cNvPr id="1" name="" title=""/>
         <p:cNvGrpSpPr/>
         <p:nvPr/>
       </p:nvGrpSpPr>
@@ -253,7 +253,7 @@
       </p:grpSpPr>
       <p:sp>
         <p:nvSpPr>
-          <p:cNvPr id="2" name="Title 1"/>
+          <p:cNvPr id="2" name="Title 1" title=""/>
           <p:cNvSpPr>
             <a:spLocks noGrp="1"/>
           </p:cNvSpPr>
@@ -276,7 +276,7 @@
       </p:sp>
       <p:sp>
         <p:nvSpPr>
-          <p:cNvPr id="3" name="Subtitle 2"/>
+          <p:cNvPr id="3" name="Subtitle 2" title=""/>
           <p:cNvSpPr>
             <a:spLocks noGrp="1"/>
           </p:cNvSpPr>
@@ -390,7 +390,7 @@
       </p:sp>
       <p:sp>
         <p:nvSpPr>
-          <p:cNvPr id="4" name="Date Placeholder 3"/>
+          <p:cNvPr id="4" name="Date Placeholder 3" title=""/>
           <p:cNvSpPr>
             <a:spLocks noGrp="1"/>
           </p:cNvSpPr>
@@ -403,7 +403,7 @@
           <a:bodyPr/>
           <a:lstStyle/>
           <a:p>
-            <a:fld id="{7D603A10-9D72-40E1-9FB0-1F2CB55D5BBE}" type="datetimeFigureOut">
+            <a:fld id="{FFA76ADF-86E1-4106-AAE4-F202FD93209A}" type="datetimeFigureOut">
               <a:rPr lang="en-US" smtClean="0"/>
               <a:t>11/7/2009</a:t>
             </a:fld>
@@ -413,7 +413,7 @@
       </p:sp>
       <p:sp>
         <p:nvSpPr>
-          <p:cNvPr id="5" name="Footer Placeholder 4"/>
+          <p:cNvPr id="5" name="Footer Placeholder 4" title=""/>
           <p:cNvSpPr>
             <a:spLocks noGrp="1"/>
           </p:cNvSpPr>
@@ -432,7 +432,7 @@
       </p:sp>
       <p:sp>
         <p:nvSpPr>
-          <p:cNvPr id="6" name="Slide Number Placeholder 5"/>
+          <p:cNvPr id="6" name="Slide Number Placeholder 5" title=""/>
           <p:cNvSpPr>
             <a:spLocks noGrp="1"/>
           </p:cNvSpPr>
@@ -464,11 +464,11 @@
 </file>
 
 <file path=ppt/slideLayouts/slideLayout10.xml><?xml version="1.0" encoding="utf-8"?>
-<p:sldLayout xmlns:a="http://schemas.openxmlformats.org/drawingml/2006/main" xmlns:r="http://schemas.openxmlformats.org/officeDocument/2006/relationships" xmlns:p14="http://schemas.microsoft.com/office/powerpoint/2010/main" xmlns:a14="http://schemas.microsoft.com/office/drawing/2010/main" xmlns:p15="http://schemas.microsoft.com/office/powerpoint/2012/main" xmlns:p159="http://schemas.microsoft.com/office/powerpoint/2015/09/main" xmlns:p="http://schemas.openxmlformats.org/presentationml/2006/main" type="vertTx" preserve="1">
+<p:sldLayout xmlns:a="http://schemas.openxmlformats.org/drawingml/2006/main" xmlns:r="http://schemas.openxmlformats.org/officeDocument/2006/relationships" xmlns:m="http://schemas.openxmlformats.org/officeDocument/2006/math" xmlns:w="http://schemas.openxmlformats.org/wordprocessingml/2006/main" xmlns:wp="http://schemas.openxmlformats.org/drawingml/2006/wordprocessingDrawing" xmlns:a14="http://schemas.microsoft.com/office/drawing/2010/main" xmlns:mc="http://schemas.openxmlformats.org/markup-compatibility/2006" xmlns:p14="http://schemas.microsoft.com/office/powerpoint/2010/main" xmlns:p15="http://schemas.microsoft.com/office/powerpoint/2012/main" xmlns:p159="http://schemas.microsoft.com/office/powerpoint/2015/09/main" xmlns:p="http://schemas.openxmlformats.org/presentationml/2006/main" type="vertTx" preserve="1">
   <p:cSld name="Title and Vertical Text">
     <p:spTree>
       <p:nvGrpSpPr>
-        <p:cNvPr id="1" name=""/>
+        <p:cNvPr id="1" name="" title=""/>
         <p:cNvGrpSpPr/>
         <p:nvPr/>
       </p:nvGrpSpPr>
@@ -480,7 +480,7 @@
       </p:grpSpPr>
       <p:sp>
         <p:nvSpPr>
-          <p:cNvPr id="2" name="Title 1"/>
+          <p:cNvPr id="2" name="Title 1" title=""/>
           <p:cNvSpPr>
             <a:spLocks noGrp="1"/>
           </p:cNvSpPr>
@@ -503,7 +503,7 @@
       </p:sp>
       <p:sp>
         <p:nvSpPr>
-          <p:cNvPr id="3" name="Vertical Text Placeholder 2"/>
+          <p:cNvPr id="3" name="Vertical Text Placeholder 2" title=""/>
           <p:cNvSpPr>
             <a:spLocks noGrp="1"/>
           </p:cNvSpPr>
@@ -554,7 +554,7 @@
       </p:sp>
       <p:sp>
         <p:nvSpPr>
-          <p:cNvPr id="4" name="Date Placeholder 3"/>
+          <p:cNvPr id="4" name="Date Placeholder 3" title=""/>
           <p:cNvSpPr>
             <a:spLocks noGrp="1"/>
           </p:cNvSpPr>
@@ -567,7 +567,7 @@
           <a:bodyPr/>
           <a:lstStyle/>
           <a:p>
-            <a:fld id="{FEF9FD2E-8B3A-4B6D-9276-B63004074F35}" type="datetimeFigureOut">
+            <a:fld id="{DB390BF7-D0E6-42EA-BB47-1B923A257B98}" type="datetimeFigureOut">
               <a:rPr lang="en-US" smtClean="0"/>
               <a:t>11/7/2009</a:t>
             </a:fld>
@@ -577,7 +577,7 @@
       </p:sp>
       <p:sp>
         <p:nvSpPr>
-          <p:cNvPr id="5" name="Footer Placeholder 4"/>
+          <p:cNvPr id="5" name="Footer Placeholder 4" title=""/>
           <p:cNvSpPr>
             <a:spLocks noGrp="1"/>
           </p:cNvSpPr>
@@ -596,7 +596,7 @@
       </p:sp>
       <p:sp>
         <p:nvSpPr>
-          <p:cNvPr id="6" name="Slide Number Placeholder 5"/>
+          <p:cNvPr id="6" name="Slide Number Placeholder 5" title=""/>
           <p:cNvSpPr>
             <a:spLocks noGrp="1"/>
           </p:cNvSpPr>
@@ -628,11 +628,11 @@
 </file>
 
 <file path=ppt/slideLayouts/slideLayout11.xml><?xml version="1.0" encoding="utf-8"?>
-<p:sldLayout xmlns:a="http://schemas.openxmlformats.org/drawingml/2006/main" xmlns:r="http://schemas.openxmlformats.org/officeDocument/2006/relationships" xmlns:p14="http://schemas.microsoft.com/office/powerpoint/2010/main" xmlns:a14="http://schemas.microsoft.com/office/drawing/2010/main" xmlns:p15="http://schemas.microsoft.com/office/powerpoint/2012/main" xmlns:p159="http://schemas.microsoft.com/office/powerpoint/2015/09/main" xmlns:p="http://schemas.openxmlformats.org/presentationml/2006/main" type="vertTitleAndTx" preserve="1">
+<p:sldLayout xmlns:a="http://schemas.openxmlformats.org/drawingml/2006/main" xmlns:r="http://schemas.openxmlformats.org/officeDocument/2006/relationships" xmlns:m="http://schemas.openxmlformats.org/officeDocument/2006/math" xmlns:w="http://schemas.openxmlformats.org/wordprocessingml/2006/main" xmlns:wp="http://schemas.openxmlformats.org/drawingml/2006/wordprocessingDrawing" xmlns:a14="http://schemas.microsoft.com/office/drawing/2010/main" xmlns:mc="http://schemas.openxmlformats.org/markup-compatibility/2006" xmlns:p14="http://schemas.microsoft.com/office/powerpoint/2010/main" xmlns:p15="http://schemas.microsoft.com/office/powerpoint/2012/main" xmlns:p159="http://schemas.microsoft.com/office/powerpoint/2015/09/main" xmlns:p="http://schemas.openxmlformats.org/presentationml/2006/main" type="vertTitleAndTx" preserve="1">
   <p:cSld name="Vertical Title and Text">
     <p:spTree>
       <p:nvGrpSpPr>
-        <p:cNvPr id="1" name=""/>
+        <p:cNvPr id="1" name="" title=""/>
         <p:cNvGrpSpPr/>
         <p:nvPr/>
       </p:nvGrpSpPr>
@@ -644,7 +644,7 @@
       </p:grpSpPr>
       <p:sp>
         <p:nvSpPr>
-          <p:cNvPr id="2" name="Vertical Title 1"/>
+          <p:cNvPr id="2" name="Vertical Title 1" title=""/>
           <p:cNvSpPr>
             <a:spLocks noGrp="1"/>
           </p:cNvSpPr>
@@ -667,7 +667,7 @@
       </p:sp>
       <p:sp>
         <p:nvSpPr>
-          <p:cNvPr id="3" name="Vertical Text Placeholder 2"/>
+          <p:cNvPr id="3" name="Vertical Text Placeholder 2" title=""/>
           <p:cNvSpPr>
             <a:spLocks noGrp="1"/>
           </p:cNvSpPr>
@@ -718,7 +718,7 @@
       </p:sp>
       <p:sp>
         <p:nvSpPr>
-          <p:cNvPr id="4" name="Date Placeholder 3"/>
+          <p:cNvPr id="4" name="Date Placeholder 3" title=""/>
           <p:cNvSpPr>
             <a:spLocks noGrp="1"/>
           </p:cNvSpPr>
@@ -731,7 +731,7 @@
           <a:bodyPr/>
           <a:lstStyle/>
           <a:p>
-            <a:fld id="{2584714F-7468-4C49-B135-F91A02A509E3}" type="datetimeFigureOut">
+            <a:fld id="{7062F777-8517-48C0-BF00-2E4D3EB7A839}" type="datetimeFigureOut">
               <a:rPr lang="en-US" smtClean="0"/>
               <a:t>11/7/2009</a:t>
             </a:fld>
@@ -741,7 +741,7 @@
       </p:sp>
       <p:sp>
         <p:nvSpPr>
-          <p:cNvPr id="5" name="Footer Placeholder 4"/>
+          <p:cNvPr id="5" name="Footer Placeholder 4" title=""/>
           <p:cNvSpPr>
             <a:spLocks noGrp="1"/>
           </p:cNvSpPr>
@@ -760,7 +760,7 @@
       </p:sp>
       <p:sp>
         <p:nvSpPr>
-          <p:cNvPr id="6" name="Slide Number Placeholder 5"/>
+          <p:cNvPr id="6" name="Slide Number Placeholder 5" title=""/>
           <p:cNvSpPr>
             <a:spLocks noGrp="1"/>
           </p:cNvSpPr>
@@ -792,11 +792,11 @@
 </file>
 
 <file path=ppt/slideLayouts/slideLayout2.xml><?xml version="1.0" encoding="utf-8"?>
-<p:sldLayout xmlns:a="http://schemas.openxmlformats.org/drawingml/2006/main" xmlns:r="http://schemas.openxmlformats.org/officeDocument/2006/relationships" xmlns:p14="http://schemas.microsoft.com/office/powerpoint/2010/main" xmlns:a14="http://schemas.microsoft.com/office/drawing/2010/main" xmlns:p15="http://schemas.microsoft.com/office/powerpoint/2012/main" xmlns:p159="http://schemas.microsoft.com/office/powerpoint/2015/09/main" xmlns:p="http://schemas.openxmlformats.org/presentationml/2006/main" type="obj" preserve="1">
+<p:sldLayout xmlns:a="http://schemas.openxmlformats.org/drawingml/2006/main" xmlns:r="http://schemas.openxmlformats.org/officeDocument/2006/relationships" xmlns:m="http://schemas.openxmlformats.org/officeDocument/2006/math" xmlns:w="http://schemas.openxmlformats.org/wordprocessingml/2006/main" xmlns:wp="http://schemas.openxmlformats.org/drawingml/2006/wordprocessingDrawing" xmlns:a14="http://schemas.microsoft.com/office/drawing/2010/main" xmlns:mc="http://schemas.openxmlformats.org/markup-compatibility/2006" xmlns:p14="http://schemas.microsoft.com/office/powerpoint/2010/main" xmlns:p15="http://schemas.microsoft.com/office/powerpoint/2012/main" xmlns:p159="http://schemas.microsoft.com/office/powerpoint/2015/09/main" xmlns:p="http://schemas.openxmlformats.org/presentationml/2006/main" type="obj" preserve="1">
   <p:cSld name="Title and Content">
     <p:spTree>
       <p:nvGrpSpPr>
-        <p:cNvPr id="1" name=""/>
+        <p:cNvPr id="1" name="" title=""/>
         <p:cNvGrpSpPr/>
         <p:nvPr/>
       </p:nvGrpSpPr>
@@ -808,7 +808,7 @@
       </p:grpSpPr>
       <p:sp>
         <p:nvSpPr>
-          <p:cNvPr id="2" name="Title 1"/>
+          <p:cNvPr id="2" name="Title 1" title=""/>
           <p:cNvSpPr>
             <a:spLocks noGrp="1"/>
           </p:cNvSpPr>
@@ -831,7 +831,7 @@
       </p:sp>
       <p:sp>
         <p:nvSpPr>
-          <p:cNvPr id="3" name="Content Placeholder 2"/>
+          <p:cNvPr id="3" name="Content Placeholder 2" title=""/>
           <p:cNvSpPr>
             <a:spLocks noGrp="1"/>
           </p:cNvSpPr>
@@ -882,7 +882,7 @@
       </p:sp>
       <p:sp>
         <p:nvSpPr>
-          <p:cNvPr id="4" name="Date Placeholder 3"/>
+          <p:cNvPr id="4" name="Date Placeholder 3" title=""/>
           <p:cNvSpPr>
             <a:spLocks noGrp="1"/>
           </p:cNvSpPr>
@@ -895,7 +895,7 @@
           <a:bodyPr/>
           <a:lstStyle/>
           <a:p>
-            <a:fld id="{820CCEDD-7484-4731-A583-5FCD87905A3A}" type="datetimeFigureOut">
+            <a:fld id="{C44B20FA-68EF-4ECE-B1F7-5B50BAFB38AD}" type="datetimeFigureOut">
               <a:rPr lang="en-US" smtClean="0"/>
               <a:t>11/7/2009</a:t>
             </a:fld>
@@ -905,7 +905,7 @@
       </p:sp>
       <p:sp>
         <p:nvSpPr>
-          <p:cNvPr id="5" name="Footer Placeholder 4"/>
+          <p:cNvPr id="5" name="Footer Placeholder 4" title=""/>
           <p:cNvSpPr>
             <a:spLocks noGrp="1"/>
           </p:cNvSpPr>
@@ -924,7 +924,7 @@
       </p:sp>
       <p:sp>
         <p:nvSpPr>
-          <p:cNvPr id="6" name="Slide Number Placeholder 5"/>
+          <p:cNvPr id="6" name="Slide Number Placeholder 5" title=""/>
           <p:cNvSpPr>
             <a:spLocks noGrp="1"/>
           </p:cNvSpPr>
@@ -956,11 +956,11 @@
 </file>
 
 <file path=ppt/slideLayouts/slideLayout3.xml><?xml version="1.0" encoding="utf-8"?>
-<p:sldLayout xmlns:a="http://schemas.openxmlformats.org/drawingml/2006/main" xmlns:r="http://schemas.openxmlformats.org/officeDocument/2006/relationships" xmlns:p14="http://schemas.microsoft.com/office/powerpoint/2010/main" xmlns:a14="http://schemas.microsoft.com/office/drawing/2010/main" xmlns:p15="http://schemas.microsoft.com/office/powerpoint/2012/main" xmlns:p159="http://schemas.microsoft.com/office/powerpoint/2015/09/main" xmlns:p="http://schemas.openxmlformats.org/presentationml/2006/main" type="secHead" preserve="1">
+<p:sldLayout xmlns:a="http://schemas.openxmlformats.org/drawingml/2006/main" xmlns:r="http://schemas.openxmlformats.org/officeDocument/2006/relationships" xmlns:m="http://schemas.openxmlformats.org/officeDocument/2006/math" xmlns:w="http://schemas.openxmlformats.org/wordprocessingml/2006/main" xmlns:wp="http://schemas.openxmlformats.org/drawingml/2006/wordprocessingDrawing" xmlns:a14="http://schemas.microsoft.com/office/drawing/2010/main" xmlns:mc="http://schemas.openxmlformats.org/markup-compatibility/2006" xmlns:p14="http://schemas.microsoft.com/office/powerpoint/2010/main" xmlns:p15="http://schemas.microsoft.com/office/powerpoint/2012/main" xmlns:p159="http://schemas.microsoft.com/office/powerpoint/2015/09/main" xmlns:p="http://schemas.openxmlformats.org/presentationml/2006/main" type="secHead" preserve="1">
   <p:cSld name="Section Header">
     <p:spTree>
       <p:nvGrpSpPr>
-        <p:cNvPr id="1" name=""/>
+        <p:cNvPr id="1" name="" title=""/>
         <p:cNvGrpSpPr/>
         <p:nvPr/>
       </p:nvGrpSpPr>
@@ -972,7 +972,7 @@
       </p:grpSpPr>
       <p:sp>
         <p:nvSpPr>
-          <p:cNvPr id="2" name="Title 1"/>
+          <p:cNvPr id="2" name="Title 1" title=""/>
           <p:cNvSpPr>
             <a:spLocks noGrp="1"/>
           </p:cNvSpPr>
@@ -999,7 +999,7 @@
       </p:sp>
       <p:sp>
         <p:nvSpPr>
-          <p:cNvPr id="3" name="Text Placeholder 2"/>
+          <p:cNvPr id="3" name="Text Placeholder 2" title=""/>
           <p:cNvSpPr>
             <a:spLocks noGrp="1"/>
           </p:cNvSpPr>
@@ -1112,7 +1112,7 @@
       </p:sp>
       <p:sp>
         <p:nvSpPr>
-          <p:cNvPr id="4" name="Date Placeholder 3"/>
+          <p:cNvPr id="4" name="Date Placeholder 3" title=""/>
           <p:cNvSpPr>
             <a:spLocks noGrp="1"/>
           </p:cNvSpPr>
@@ -1125,7 +1125,7 @@
           <a:bodyPr/>
           <a:lstStyle/>
           <a:p>
-            <a:fld id="{D1EF08F4-35F1-4E05-A089-7074F3CA5669}" type="datetimeFigureOut">
+            <a:fld id="{1ABCCBE2-5A46-4783-8026-5F41E46AF43D}" type="datetimeFigureOut">
               <a:rPr lang="en-US" smtClean="0"/>
               <a:t>11/7/2009</a:t>
             </a:fld>
@@ -1135,7 +1135,7 @@
       </p:sp>
       <p:sp>
         <p:nvSpPr>
-          <p:cNvPr id="5" name="Footer Placeholder 4"/>
+          <p:cNvPr id="5" name="Footer Placeholder 4" title=""/>
           <p:cNvSpPr>
             <a:spLocks noGrp="1"/>
           </p:cNvSpPr>
@@ -1154,7 +1154,7 @@
       </p:sp>
       <p:sp>
         <p:nvSpPr>
-          <p:cNvPr id="6" name="Slide Number Placeholder 5"/>
+          <p:cNvPr id="6" name="Slide Number Placeholder 5" title=""/>
           <p:cNvSpPr>
             <a:spLocks noGrp="1"/>
           </p:cNvSpPr>
@@ -1186,11 +1186,11 @@
 </file>
 
 <file path=ppt/slideLayouts/slideLayout4.xml><?xml version="1.0" encoding="utf-8"?>
-<p:sldLayout xmlns:a="http://schemas.openxmlformats.org/drawingml/2006/main" xmlns:r="http://schemas.openxmlformats.org/officeDocument/2006/relationships" xmlns:p14="http://schemas.microsoft.com/office/powerpoint/2010/main" xmlns:a14="http://schemas.microsoft.com/office/drawing/2010/main" xmlns:p15="http://schemas.microsoft.com/office/powerpoint/2012/main" xmlns:p159="http://schemas.microsoft.com/office/powerpoint/2015/09/main" xmlns:p="http://schemas.openxmlformats.org/presentationml/2006/main" type="twoObj" preserve="1">
+<p:sldLayout xmlns:a="http://schemas.openxmlformats.org/drawingml/2006/main" xmlns:r="http://schemas.openxmlformats.org/officeDocument/2006/relationships" xmlns:m="http://schemas.openxmlformats.org/officeDocument/2006/math" xmlns:w="http://schemas.openxmlformats.org/wordprocessingml/2006/main" xmlns:wp="http://schemas.openxmlformats.org/drawingml/2006/wordprocessingDrawing" xmlns:a14="http://schemas.microsoft.com/office/drawing/2010/main" xmlns:mc="http://schemas.openxmlformats.org/markup-compatibility/2006" xmlns:p14="http://schemas.microsoft.com/office/powerpoint/2010/main" xmlns:p15="http://schemas.microsoft.com/office/powerpoint/2012/main" xmlns:p159="http://schemas.microsoft.com/office/powerpoint/2015/09/main" xmlns:p="http://schemas.openxmlformats.org/presentationml/2006/main" type="twoObj" preserve="1">
   <p:cSld name="Two Content">
     <p:spTree>
       <p:nvGrpSpPr>
-        <p:cNvPr id="1" name=""/>
+        <p:cNvPr id="1" name="" title=""/>
         <p:cNvGrpSpPr/>
         <p:nvPr/>
       </p:nvGrpSpPr>
@@ -1202,7 +1202,7 @@
       </p:grpSpPr>
       <p:sp>
         <p:nvSpPr>
-          <p:cNvPr id="2" name="Title 1"/>
+          <p:cNvPr id="2" name="Title 1" title=""/>
           <p:cNvSpPr>
             <a:spLocks noGrp="1"/>
           </p:cNvSpPr>
@@ -1225,7 +1225,7 @@
       </p:sp>
       <p:sp>
         <p:nvSpPr>
-          <p:cNvPr id="3" name="Content Placeholder 2"/>
+          <p:cNvPr id="3" name="Content Placeholder 2" title=""/>
           <p:cNvSpPr>
             <a:spLocks noGrp="1"/>
           </p:cNvSpPr>
@@ -1304,7 +1304,7 @@
       </p:sp>
       <p:sp>
         <p:nvSpPr>
-          <p:cNvPr id="4" name="Content Placeholder 3"/>
+          <p:cNvPr id="4" name="Content Placeholder 3" title=""/>
           <p:cNvSpPr>
             <a:spLocks noGrp="1"/>
           </p:cNvSpPr>
@@ -1383,7 +1383,7 @@
       </p:sp>
       <p:sp>
         <p:nvSpPr>
-          <p:cNvPr id="5" name="Date Placeholder 4"/>
+          <p:cNvPr id="5" name="Date Placeholder 4" title=""/>
           <p:cNvSpPr>
             <a:spLocks noGrp="1"/>
           </p:cNvSpPr>
@@ -1396,7 +1396,7 @@
           <a:bodyPr/>
           <a:lstStyle/>
           <a:p>
-            <a:fld id="{78768939-ABE1-475D-A9EB-4E831534A722}" type="datetimeFigureOut">
+            <a:fld id="{27B9922E-0D35-4208-953E-C98B0859EEB9}" type="datetimeFigureOut">
               <a:rPr lang="en-US" smtClean="0"/>
               <a:t>11/7/2009</a:t>
             </a:fld>
@@ -1406,7 +1406,7 @@
       </p:sp>
       <p:sp>
         <p:nvSpPr>
-          <p:cNvPr id="6" name="Footer Placeholder 5"/>
+          <p:cNvPr id="6" name="Footer Placeholder 5" title=""/>
           <p:cNvSpPr>
             <a:spLocks noGrp="1"/>
           </p:cNvSpPr>
@@ -1425,7 +1425,7 @@
       </p:sp>
       <p:sp>
         <p:nvSpPr>
-          <p:cNvPr id="7" name="Slide Number Placeholder 6"/>
+          <p:cNvPr id="7" name="Slide Number Placeholder 6" title=""/>
           <p:cNvSpPr>
             <a:spLocks noGrp="1"/>
           </p:cNvSpPr>
@@ -1457,11 +1457,11 @@
 </file>
 
 <file path=ppt/slideLayouts/slideLayout5.xml><?xml version="1.0" encoding="utf-8"?>
-<p:sldLayout xmlns:a="http://schemas.openxmlformats.org/drawingml/2006/main" xmlns:r="http://schemas.openxmlformats.org/officeDocument/2006/relationships" xmlns:p14="http://schemas.microsoft.com/office/powerpoint/2010/main" xmlns:a14="http://schemas.microsoft.com/office/drawing/2010/main" xmlns:p15="http://schemas.microsoft.com/office/powerpoint/2012/main" xmlns:p159="http://schemas.microsoft.com/office/powerpoint/2015/09/main" xmlns:p="http://schemas.openxmlformats.org/presentationml/2006/main" type="twoTxTwoObj" preserve="1">
+<p:sldLayout xmlns:a="http://schemas.openxmlformats.org/drawingml/2006/main" xmlns:r="http://schemas.openxmlformats.org/officeDocument/2006/relationships" xmlns:m="http://schemas.openxmlformats.org/officeDocument/2006/math" xmlns:w="http://schemas.openxmlformats.org/wordprocessingml/2006/main" xmlns:wp="http://schemas.openxmlformats.org/drawingml/2006/wordprocessingDrawing" xmlns:a14="http://schemas.microsoft.com/office/drawing/2010/main" xmlns:mc="http://schemas.openxmlformats.org/markup-compatibility/2006" xmlns:p14="http://schemas.microsoft.com/office/powerpoint/2010/main" xmlns:p15="http://schemas.microsoft.com/office/powerpoint/2012/main" xmlns:p159="http://schemas.microsoft.com/office/powerpoint/2015/09/main" xmlns:p="http://schemas.openxmlformats.org/presentationml/2006/main" type="twoTxTwoObj" preserve="1">
   <p:cSld name="Comparison">
     <p:spTree>
       <p:nvGrpSpPr>
-        <p:cNvPr id="1" name=""/>
+        <p:cNvPr id="1" name="" title=""/>
         <p:cNvGrpSpPr/>
         <p:nvPr/>
       </p:nvGrpSpPr>
@@ -1473,7 +1473,7 @@
       </p:grpSpPr>
       <p:sp>
         <p:nvSpPr>
-          <p:cNvPr id="2" name="Title 1"/>
+          <p:cNvPr id="2" name="Title 1" title=""/>
           <p:cNvSpPr>
             <a:spLocks noGrp="1"/>
           </p:cNvSpPr>
@@ -1496,7 +1496,7 @@
       </p:sp>
       <p:sp>
         <p:nvSpPr>
-          <p:cNvPr id="3" name="Text Placeholder 2"/>
+          <p:cNvPr id="3" name="Text Placeholder 2" title=""/>
           <p:cNvSpPr>
             <a:spLocks noGrp="1"/>
           </p:cNvSpPr>
@@ -1555,7 +1555,7 @@
       </p:sp>
       <p:sp>
         <p:nvSpPr>
-          <p:cNvPr id="4" name="Content Placeholder 3"/>
+          <p:cNvPr id="4" name="Content Placeholder 3" title=""/>
           <p:cNvSpPr>
             <a:spLocks noGrp="1"/>
           </p:cNvSpPr>
@@ -1634,7 +1634,7 @@
       </p:sp>
       <p:sp>
         <p:nvSpPr>
-          <p:cNvPr id="5" name="Text Placeholder 4"/>
+          <p:cNvPr id="5" name="Text Placeholder 4" title=""/>
           <p:cNvSpPr>
             <a:spLocks noGrp="1"/>
           </p:cNvSpPr>
@@ -1693,7 +1693,7 @@
       </p:sp>
       <p:sp>
         <p:nvSpPr>
-          <p:cNvPr id="6" name="Content Placeholder 5"/>
+          <p:cNvPr id="6" name="Content Placeholder 5" title=""/>
           <p:cNvSpPr>
             <a:spLocks noGrp="1"/>
           </p:cNvSpPr>
@@ -1772,7 +1772,7 @@
       </p:sp>
       <p:sp>
         <p:nvSpPr>
-          <p:cNvPr id="7" name="Date Placeholder 6"/>
+          <p:cNvPr id="7" name="Date Placeholder 6" title=""/>
           <p:cNvSpPr>
             <a:spLocks noGrp="1"/>
           </p:cNvSpPr>
@@ -1785,7 +1785,7 @@
           <a:bodyPr/>
           <a:lstStyle/>
           <a:p>
-            <a:fld id="{701CF6A9-5E30-43B5-88D7-70C2376AD742}" type="datetimeFigureOut">
+            <a:fld id="{8FF17C21-3848-45DE-B214-34C39CE63977}" type="datetimeFigureOut">
               <a:rPr lang="en-US" smtClean="0"/>
               <a:t>11/7/2009</a:t>
             </a:fld>
@@ -1795,7 +1795,7 @@
       </p:sp>
       <p:sp>
         <p:nvSpPr>
-          <p:cNvPr id="8" name="Footer Placeholder 7"/>
+          <p:cNvPr id="8" name="Footer Placeholder 7" title=""/>
           <p:cNvSpPr>
             <a:spLocks noGrp="1"/>
           </p:cNvSpPr>
@@ -1814,7 +1814,7 @@
       </p:sp>
       <p:sp>
         <p:nvSpPr>
-          <p:cNvPr id="9" name="Slide Number Placeholder 8"/>
+          <p:cNvPr id="9" name="Slide Number Placeholder 8" title=""/>
           <p:cNvSpPr>
             <a:spLocks noGrp="1"/>
           </p:cNvSpPr>
@@ -1846,11 +1846,11 @@
 </file>
 
 <file path=ppt/slideLayouts/slideLayout6.xml><?xml version="1.0" encoding="utf-8"?>
-<p:sldLayout xmlns:a="http://schemas.openxmlformats.org/drawingml/2006/main" xmlns:r="http://schemas.openxmlformats.org/officeDocument/2006/relationships" xmlns:p14="http://schemas.microsoft.com/office/powerpoint/2010/main" xmlns:a14="http://schemas.microsoft.com/office/drawing/2010/main" xmlns:p15="http://schemas.microsoft.com/office/powerpoint/2012/main" xmlns:p159="http://schemas.microsoft.com/office/powerpoint/2015/09/main" xmlns:p="http://schemas.openxmlformats.org/presentationml/2006/main" type="titleOnly" preserve="1">
+<p:sldLayout xmlns:a="http://schemas.openxmlformats.org/drawingml/2006/main" xmlns:r="http://schemas.openxmlformats.org/officeDocument/2006/relationships" xmlns:m="http://schemas.openxmlformats.org/officeDocument/2006/math" xmlns:w="http://schemas.openxmlformats.org/wordprocessingml/2006/main" xmlns:wp="http://schemas.openxmlformats.org/drawingml/2006/wordprocessingDrawing" xmlns:a14="http://schemas.microsoft.com/office/drawing/2010/main" xmlns:mc="http://schemas.openxmlformats.org/markup-compatibility/2006" xmlns:p14="http://schemas.microsoft.com/office/powerpoint/2010/main" xmlns:p15="http://schemas.microsoft.com/office/powerpoint/2012/main" xmlns:p159="http://schemas.microsoft.com/office/powerpoint/2015/09/main" xmlns:p="http://schemas.openxmlformats.org/presentationml/2006/main" type="titleOnly" preserve="1">
   <p:cSld name="Title Only">
     <p:spTree>
       <p:nvGrpSpPr>
-        <p:cNvPr id="1" name=""/>
+        <p:cNvPr id="1" name="" title=""/>
         <p:cNvGrpSpPr/>
         <p:nvPr/>
       </p:nvGrpSpPr>
@@ -1862,7 +1862,7 @@
       </p:grpSpPr>
       <p:sp>
         <p:nvSpPr>
-          <p:cNvPr id="2" name="Title 1"/>
+          <p:cNvPr id="2" name="Title 1" title=""/>
           <p:cNvSpPr>
             <a:spLocks noGrp="1"/>
           </p:cNvSpPr>
@@ -1885,7 +1885,7 @@
       </p:sp>
       <p:sp>
         <p:nvSpPr>
-          <p:cNvPr id="3" name="Date Placeholder 2"/>
+          <p:cNvPr id="3" name="Date Placeholder 2" title=""/>
           <p:cNvSpPr>
             <a:spLocks noGrp="1"/>
           </p:cNvSpPr>
@@ -1898,7 +1898,7 @@
           <a:bodyPr/>
           <a:lstStyle/>
           <a:p>
-            <a:fld id="{60843756-831A-4666-8283-0D7C205F2169}" type="datetimeFigureOut">
+            <a:fld id="{9C05070A-F10A-491C-B57D-779C2D894FCF}" type="datetimeFigureOut">
               <a:rPr lang="en-US" smtClean="0"/>
               <a:t>11/7/2009</a:t>
             </a:fld>
@@ -1908,7 +1908,7 @@
       </p:sp>
       <p:sp>
         <p:nvSpPr>
-          <p:cNvPr id="4" name="Footer Placeholder 3"/>
+          <p:cNvPr id="4" name="Footer Placeholder 3" title=""/>
           <p:cNvSpPr>
             <a:spLocks noGrp="1"/>
           </p:cNvSpPr>
@@ -1927,7 +1927,7 @@
       </p:sp>
       <p:sp>
         <p:nvSpPr>
-          <p:cNvPr id="5" name="Slide Number Placeholder 4"/>
+          <p:cNvPr id="5" name="Slide Number Placeholder 4" title=""/>
           <p:cNvSpPr>
             <a:spLocks noGrp="1"/>
           </p:cNvSpPr>
@@ -1959,11 +1959,11 @@
 </file>
 
 <file path=ppt/slideLayouts/slideLayout7.xml><?xml version="1.0" encoding="utf-8"?>
-<p:sldLayout xmlns:a="http://schemas.openxmlformats.org/drawingml/2006/main" xmlns:r="http://schemas.openxmlformats.org/officeDocument/2006/relationships" xmlns:p14="http://schemas.microsoft.com/office/powerpoint/2010/main" xmlns:a14="http://schemas.microsoft.com/office/drawing/2010/main" xmlns:p15="http://schemas.microsoft.com/office/powerpoint/2012/main" xmlns:p159="http://schemas.microsoft.com/office/powerpoint/2015/09/main" xmlns:p="http://schemas.openxmlformats.org/presentationml/2006/main" type="blank" preserve="1">
+<p:sldLayout xmlns:a="http://schemas.openxmlformats.org/drawingml/2006/main" xmlns:r="http://schemas.openxmlformats.org/officeDocument/2006/relationships" xmlns:m="http://schemas.openxmlformats.org/officeDocument/2006/math" xmlns:w="http://schemas.openxmlformats.org/wordprocessingml/2006/main" xmlns:wp="http://schemas.openxmlformats.org/drawingml/2006/wordprocessingDrawing" xmlns:a14="http://schemas.microsoft.com/office/drawing/2010/main" xmlns:mc="http://schemas.openxmlformats.org/markup-compatibility/2006" xmlns:p14="http://schemas.microsoft.com/office/powerpoint/2010/main" xmlns:p15="http://schemas.microsoft.com/office/powerpoint/2012/main" xmlns:p159="http://schemas.microsoft.com/office/powerpoint/2015/09/main" xmlns:p="http://schemas.openxmlformats.org/presentationml/2006/main" type="blank" preserve="1">
   <p:cSld name="Blank">
     <p:spTree>
       <p:nvGrpSpPr>
-        <p:cNvPr id="1" name=""/>
+        <p:cNvPr id="1" name="" title=""/>
         <p:cNvGrpSpPr/>
         <p:nvPr/>
       </p:nvGrpSpPr>
@@ -1975,7 +1975,7 @@
       </p:grpSpPr>
       <p:sp>
         <p:nvSpPr>
-          <p:cNvPr id="2" name="Date Placeholder 1"/>
+          <p:cNvPr id="2" name="Date Placeholder 1" title=""/>
           <p:cNvSpPr>
             <a:spLocks noGrp="1"/>
           </p:cNvSpPr>
@@ -1988,7 +1988,7 @@
           <a:bodyPr/>
           <a:lstStyle/>
           <a:p>
-            <a:fld id="{F9D3E7CF-460E-435F-831D-0A9EF9C73F48}" type="datetimeFigureOut">
+            <a:fld id="{8464AE83-EEFD-40AF-B7FF-91155C374419}" type="datetimeFigureOut">
               <a:rPr lang="en-US" smtClean="0"/>
               <a:t>11/7/2009</a:t>
             </a:fld>
@@ -1998,7 +1998,7 @@
       </p:sp>
       <p:sp>
         <p:nvSpPr>
-          <p:cNvPr id="3" name="Footer Placeholder 2"/>
+          <p:cNvPr id="3" name="Footer Placeholder 2" title=""/>
           <p:cNvSpPr>
             <a:spLocks noGrp="1"/>
           </p:cNvSpPr>
@@ -2017,7 +2017,7 @@
       </p:sp>
       <p:sp>
         <p:nvSpPr>
-          <p:cNvPr id="4" name="Slide Number Placeholder 3"/>
+          <p:cNvPr id="4" name="Slide Number Placeholder 3" title=""/>
           <p:cNvSpPr>
             <a:spLocks noGrp="1"/>
           </p:cNvSpPr>
@@ -2049,11 +2049,11 @@
 </file>
 
 <file path=ppt/slideLayouts/slideLayout8.xml><?xml version="1.0" encoding="utf-8"?>
-<p:sldLayout xmlns:a="http://schemas.openxmlformats.org/drawingml/2006/main" xmlns:r="http://schemas.openxmlformats.org/officeDocument/2006/relationships" xmlns:p14="http://schemas.microsoft.com/office/powerpoint/2010/main" xmlns:a14="http://schemas.microsoft.com/office/drawing/2010/main" xmlns:p15="http://schemas.microsoft.com/office/powerpoint/2012/main" xmlns:p159="http://schemas.microsoft.com/office/powerpoint/2015/09/main" xmlns:p="http://schemas.openxmlformats.org/presentationml/2006/main" type="objTx" preserve="1">
+<p:sldLayout xmlns:a="http://schemas.openxmlformats.org/drawingml/2006/main" xmlns:r="http://schemas.openxmlformats.org/officeDocument/2006/relationships" xmlns:m="http://schemas.openxmlformats.org/officeDocument/2006/math" xmlns:w="http://schemas.openxmlformats.org/wordprocessingml/2006/main" xmlns:wp="http://schemas.openxmlformats.org/drawingml/2006/wordprocessingDrawing" xmlns:a14="http://schemas.microsoft.com/office/drawing/2010/main" xmlns:mc="http://schemas.openxmlformats.org/markup-compatibility/2006" xmlns:p14="http://schemas.microsoft.com/office/powerpoint/2010/main" xmlns:p15="http://schemas.microsoft.com/office/powerpoint/2012/main" xmlns:p159="http://schemas.microsoft.com/office/powerpoint/2015/09/main" xmlns:p="http://schemas.openxmlformats.org/presentationml/2006/main" type="objTx" preserve="1">
   <p:cSld name="Content with Caption">
     <p:spTree>
       <p:nvGrpSpPr>
-        <p:cNvPr id="1" name=""/>
+        <p:cNvPr id="1" name="" title=""/>
         <p:cNvGrpSpPr/>
         <p:nvPr/>
       </p:nvGrpSpPr>
@@ -2065,7 +2065,7 @@
       </p:grpSpPr>
       <p:sp>
         <p:nvSpPr>
-          <p:cNvPr id="2" name="Title 1"/>
+          <p:cNvPr id="2" name="Title 1" title=""/>
           <p:cNvSpPr>
             <a:spLocks noGrp="1"/>
           </p:cNvSpPr>
@@ -2092,7 +2092,7 @@
       </p:sp>
       <p:sp>
         <p:nvSpPr>
-          <p:cNvPr id="3" name="Content Placeholder 2"/>
+          <p:cNvPr id="3" name="Content Placeholder 2" title=""/>
           <p:cNvSpPr>
             <a:spLocks noGrp="1"/>
           </p:cNvSpPr>
@@ -2171,7 +2171,7 @@
       </p:sp>
       <p:sp>
         <p:nvSpPr>
-          <p:cNvPr id="4" name="Text Placeholder 3"/>
+          <p:cNvPr id="4" name="Text Placeholder 3" title=""/>
           <p:cNvSpPr>
             <a:spLocks noGrp="1"/>
           </p:cNvSpPr>
@@ -2230,7 +2230,7 @@
       </p:sp>
       <p:sp>
         <p:nvSpPr>
-          <p:cNvPr id="5" name="Date Placeholder 4"/>
+          <p:cNvPr id="5" name="Date Placeholder 4" title=""/>
           <p:cNvSpPr>
             <a:spLocks noGrp="1"/>
           </p:cNvSpPr>
@@ -2243,7 +2243,7 @@
           <a:bodyPr/>
           <a:lstStyle/>
           <a:p>
-            <a:fld id="{82572DBE-EF11-4260-9878-E58699401741}" type="datetimeFigureOut">
+            <a:fld id="{5C18F051-F765-4ED4-BFC3-C3A9E087DF0E}" type="datetimeFigureOut">
               <a:rPr lang="en-US" smtClean="0"/>
               <a:t>11/7/2009</a:t>
             </a:fld>
@@ -2253,7 +2253,7 @@
       </p:sp>
       <p:sp>
         <p:nvSpPr>
-          <p:cNvPr id="6" name="Footer Placeholder 5"/>
+          <p:cNvPr id="6" name="Footer Placeholder 5" title=""/>
           <p:cNvSpPr>
             <a:spLocks noGrp="1"/>
           </p:cNvSpPr>
@@ -2272,7 +2272,7 @@
       </p:sp>
       <p:sp>
         <p:nvSpPr>
-          <p:cNvPr id="7" name="Slide Number Placeholder 6"/>
+          <p:cNvPr id="7" name="Slide Number Placeholder 6" title=""/>
           <p:cNvSpPr>
             <a:spLocks noGrp="1"/>
           </p:cNvSpPr>
@@ -2304,11 +2304,11 @@
 </file>
 
 <file path=ppt/slideLayouts/slideLayout9.xml><?xml version="1.0" encoding="utf-8"?>
-<p:sldLayout xmlns:a="http://schemas.openxmlformats.org/drawingml/2006/main" xmlns:r="http://schemas.openxmlformats.org/officeDocument/2006/relationships" xmlns:p14="http://schemas.microsoft.com/office/powerpoint/2010/main" xmlns:a14="http://schemas.microsoft.com/office/drawing/2010/main" xmlns:p15="http://schemas.microsoft.com/office/powerpoint/2012/main" xmlns:p159="http://schemas.microsoft.com/office/powerpoint/2015/09/main" xmlns:p="http://schemas.openxmlformats.org/presentationml/2006/main" type="picTx" preserve="1">
+<p:sldLayout xmlns:a="http://schemas.openxmlformats.org/drawingml/2006/main" xmlns:r="http://schemas.openxmlformats.org/officeDocument/2006/relationships" xmlns:m="http://schemas.openxmlformats.org/officeDocument/2006/math" xmlns:w="http://schemas.openxmlformats.org/wordprocessingml/2006/main" xmlns:wp="http://schemas.openxmlformats.org/drawingml/2006/wordprocessingDrawing" xmlns:a14="http://schemas.microsoft.com/office/drawing/2010/main" xmlns:mc="http://schemas.openxmlformats.org/markup-compatibility/2006" xmlns:p14="http://schemas.microsoft.com/office/powerpoint/2010/main" xmlns:p15="http://schemas.microsoft.com/office/powerpoint/2012/main" xmlns:p159="http://schemas.microsoft.com/office/powerpoint/2015/09/main" xmlns:p="http://schemas.openxmlformats.org/presentationml/2006/main" type="picTx" preserve="1">
   <p:cSld name="Picture with Caption">
     <p:spTree>
       <p:nvGrpSpPr>
-        <p:cNvPr id="1" name=""/>
+        <p:cNvPr id="1" name="" title=""/>
         <p:cNvGrpSpPr/>
         <p:nvPr/>
       </p:nvGrpSpPr>
@@ -2320,7 +2320,7 @@
       </p:grpSpPr>
       <p:sp>
         <p:nvSpPr>
-          <p:cNvPr id="2" name="Title 1"/>
+          <p:cNvPr id="2" name="Title 1" title=""/>
           <p:cNvSpPr>
             <a:spLocks noGrp="1"/>
           </p:cNvSpPr>
@@ -2347,7 +2347,7 @@
       </p:sp>
       <p:sp>
         <p:nvSpPr>
-          <p:cNvPr id="3" name="Picture Placeholder 2"/>
+          <p:cNvPr id="3" name="Picture Placeholder 2" title=""/>
           <p:cNvSpPr>
             <a:spLocks noGrp="1"/>
           </p:cNvSpPr>
@@ -2403,7 +2403,7 @@
       </p:sp>
       <p:sp>
         <p:nvSpPr>
-          <p:cNvPr id="4" name="Text Placeholder 3"/>
+          <p:cNvPr id="4" name="Text Placeholder 3" title=""/>
           <p:cNvSpPr>
             <a:spLocks noGrp="1"/>
           </p:cNvSpPr>
@@ -2462,7 +2462,7 @@
       </p:sp>
       <p:sp>
         <p:nvSpPr>
-          <p:cNvPr id="5" name="Date Placeholder 4"/>
+          <p:cNvPr id="5" name="Date Placeholder 4" title=""/>
           <p:cNvSpPr>
             <a:spLocks noGrp="1"/>
           </p:cNvSpPr>
@@ -2475,7 +2475,7 @@
           <a:bodyPr/>
           <a:lstStyle/>
           <a:p>
-            <a:fld id="{13A566C4-CE41-4DB8-9A47-603356375492}" type="datetimeFigureOut">
+            <a:fld id="{E68CE71A-D4F0-4E1A-9EC4-DD316156C96A}" type="datetimeFigureOut">
               <a:rPr lang="en-US" smtClean="0"/>
               <a:t>11/7/2009</a:t>
             </a:fld>
@@ -2485,7 +2485,7 @@
       </p:sp>
       <p:sp>
         <p:nvSpPr>
-          <p:cNvPr id="6" name="Footer Placeholder 5"/>
+          <p:cNvPr id="6" name="Footer Placeholder 5" title=""/>
           <p:cNvSpPr>
             <a:spLocks noGrp="1"/>
           </p:cNvSpPr>
@@ -2504,7 +2504,7 @@
       </p:sp>
       <p:sp>
         <p:nvSpPr>
-          <p:cNvPr id="7" name="Slide Number Placeholder 6"/>
+          <p:cNvPr id="7" name="Slide Number Placeholder 6" title=""/>
           <p:cNvSpPr>
             <a:spLocks noGrp="1"/>
           </p:cNvSpPr>
@@ -2536,7 +2536,7 @@
 </file>
 
 <file path=ppt/slideMasters/slideMaster1.xml><?xml version="1.0" encoding="utf-8"?>
-<p:sldMaster xmlns:a="http://schemas.openxmlformats.org/drawingml/2006/main" xmlns:r="http://schemas.openxmlformats.org/officeDocument/2006/relationships" xmlns:p14="http://schemas.microsoft.com/office/powerpoint/2010/main" xmlns:a14="http://schemas.microsoft.com/office/drawing/2010/main" xmlns:p15="http://schemas.microsoft.com/office/powerpoint/2012/main" xmlns:p159="http://schemas.microsoft.com/office/powerpoint/2015/09/main" xmlns:p="http://schemas.openxmlformats.org/presentationml/2006/main">
+<p:sldMaster xmlns:a="http://schemas.openxmlformats.org/drawingml/2006/main" xmlns:r="http://schemas.openxmlformats.org/officeDocument/2006/relationships" xmlns:m="http://schemas.openxmlformats.org/officeDocument/2006/math" xmlns:w="http://schemas.openxmlformats.org/wordprocessingml/2006/main" xmlns:wp="http://schemas.openxmlformats.org/drawingml/2006/wordprocessingDrawing" xmlns:a14="http://schemas.microsoft.com/office/drawing/2010/main" xmlns:mc="http://schemas.openxmlformats.org/markup-compatibility/2006" xmlns:p14="http://schemas.microsoft.com/office/powerpoint/2010/main" xmlns:p15="http://schemas.microsoft.com/office/powerpoint/2012/main" xmlns:p159="http://schemas.microsoft.com/office/powerpoint/2015/09/main" xmlns:p="http://schemas.openxmlformats.org/presentationml/2006/main">
   <p:cSld>
     <p:bg>
       <p:bgRef idx="1001">
@@ -2545,7 +2545,7 @@
     </p:bg>
     <p:spTree>
       <p:nvGrpSpPr>
-        <p:cNvPr id="1" name=""/>
+        <p:cNvPr id="1" name="" title=""/>
         <p:cNvGrpSpPr/>
         <p:nvPr/>
       </p:nvGrpSpPr>
@@ -2557,7 +2557,7 @@
       </p:grpSpPr>
       <p:sp>
         <p:nvSpPr>
-          <p:cNvPr id="2" name="Title Placeholder 1"/>
+          <p:cNvPr id="2" name="Title Placeholder 1" title=""/>
           <p:cNvSpPr>
             <a:spLocks noGrp="1"/>
           </p:cNvSpPr>
@@ -2590,7 +2590,7 @@
       </p:sp>
       <p:sp>
         <p:nvSpPr>
-          <p:cNvPr id="3" name="Text Placeholder 2"/>
+          <p:cNvPr id="3" name="Text Placeholder 2" title=""/>
           <p:cNvSpPr>
             <a:spLocks noGrp="1"/>
           </p:cNvSpPr>
@@ -2651,7 +2651,7 @@
       </p:sp>
       <p:sp>
         <p:nvSpPr>
-          <p:cNvPr id="4" name="Date Placeholder 3"/>
+          <p:cNvPr id="4" name="Date Placeholder 3" title=""/>
           <p:cNvSpPr>
             <a:spLocks noGrp="1"/>
           </p:cNvSpPr>
@@ -2692,7 +2692,7 @@
       </p:sp>
       <p:sp>
         <p:nvSpPr>
-          <p:cNvPr id="5" name="Footer Placeholder 4"/>
+          <p:cNvPr id="5" name="Footer Placeholder 4" title=""/>
           <p:cNvSpPr>
             <a:spLocks noGrp="1"/>
           </p:cNvSpPr>
@@ -2729,7 +2729,7 @@
       </p:sp>
       <p:sp>
         <p:nvSpPr>
-          <p:cNvPr id="6" name="Slide Number Placeholder 5"/>
+          <p:cNvPr id="6" name="Slide Number Placeholder 5" title=""/>
           <p:cNvSpPr>
             <a:spLocks noGrp="1"/>
           </p:cNvSpPr>
@@ -3040,11 +3040,11 @@
 </file>
 
 <file path=ppt/slides/slide1.xml><?xml version="1.0" encoding="utf-8"?>
-<p:sld xmlns:a="http://schemas.openxmlformats.org/drawingml/2006/main" xmlns:r="http://schemas.openxmlformats.org/officeDocument/2006/relationships" xmlns:p14="http://schemas.microsoft.com/office/powerpoint/2010/main" xmlns:a14="http://schemas.microsoft.com/office/drawing/2010/main" xmlns:p15="http://schemas.microsoft.com/office/powerpoint/2012/main" xmlns:p159="http://schemas.microsoft.com/office/powerpoint/2015/09/main" xmlns:p="http://schemas.openxmlformats.org/presentationml/2006/main">
+<p:sld xmlns:a="http://schemas.openxmlformats.org/drawingml/2006/main" xmlns:r="http://schemas.openxmlformats.org/officeDocument/2006/relationships" xmlns:m="http://schemas.openxmlformats.org/officeDocument/2006/math" xmlns:w="http://schemas.openxmlformats.org/wordprocessingml/2006/main" xmlns:wp="http://schemas.openxmlformats.org/drawingml/2006/wordprocessingDrawing" xmlns:a14="http://schemas.microsoft.com/office/drawing/2010/main" xmlns:mc="http://schemas.openxmlformats.org/markup-compatibility/2006" xmlns:p14="http://schemas.microsoft.com/office/powerpoint/2010/main" xmlns:p15="http://schemas.microsoft.com/office/powerpoint/2012/main" xmlns:p159="http://schemas.microsoft.com/office/powerpoint/2015/09/main" xmlns:p="http://schemas.openxmlformats.org/presentationml/2006/main">
   <p:cSld name="">
     <p:spTree>
       <p:nvGrpSpPr>
-        <p:cNvPr id="1" name=""/>
+        <p:cNvPr id="1" name="" title=""/>
         <p:cNvGrpSpPr/>
         <p:nvPr/>
       </p:nvGrpSpPr>
@@ -3056,7 +3056,7 @@
       </p:grpSpPr>
       <p:graphicFrame>
         <p:nvGraphicFramePr>
-          <p:cNvPr id="2" name="ChartObject"/>
+          <p:cNvPr id="2" name="ChartObject" title=""/>
           <p:cNvGraphicFramePr/>
           <p:nvPr/>
         </p:nvGraphicFramePr>
@@ -3070,6 +3070,77 @@
           </a:graphicData>
         </a:graphic>
       </p:graphicFrame>
+      <p:sp>
+        <p:nvSpPr>
+          <p:cNvPr id="3" name="TextBox"/>
+          <p:cNvSpPr txBox="1">
+            <a:spLocks noGrp="1" noSelect="1" noRot="1" noMove="1"/>
+          </p:cNvSpPr>
+          <p:nvPr/>
+        </p:nvSpPr>
+        <p:spPr>
+          <a:xfrm>
+            <a:off x="1366520" y="2644140"/>
+            <a:ext cx="6411372" cy="1569660"/>
+          </a:xfrm>
+          <a:prstGeom prst="rect">
+            <a:avLst/>
+          </a:prstGeom>
+          <a:noFill/>
+        </p:spPr>
+        <p:txBody>
+          <a:bodyPr wrap="none" rtlCol="0" anchor="ctr" anchorCtr="1">
+            <a:spAutoFit/>
+          </a:bodyPr>
+          <a:lstStyle>
+            <a:lvl1pPr algn="l">
+              <a:lnSpc>
+                <a:spcPct val="150000"/>
+              </a:lnSpc>
+              <a:spcBef>
+                <a:spcPct val="0"/>
+              </a:spcBef>
+              <a:spcAft>
+                <a:spcPct val="0"/>
+              </a:spcAft>
+              <a:defRPr lang="en-US" sz="3200" b="1" noProof="1" dirty="0">
+                <a:solidFill>
+                  <a:prstClr val="red">
+                    <a:lumOff val="30000"/>
+                    <a:alpha val="40000"/>
+                  </a:prstClr>
+                </a:solidFill>
+                <a:effectLst>
+                  <a:outerShdw blurRad="50800" dist="38100" algn="tr" rotWithShape="0">
+                    <a:prstClr val="black">
+                      <a:alpha val="80000"/>
+                    </a:prstClr>
+                  </a:outerShdw>
+                </a:effectLst>
+                <a:latin typeface="Calibri" pitchFamily="34" charset="0"/>
+              </a:defRPr>
+            </a:lvl1pPr>
+          </a:lstStyle>
+          <a:p>
+            <a:pPr algn="ctr"/>
+            <a:r>
+              <a:t>Evaluation only.</a:t>
+            </a:r>
+          </a:p>
+          <a:p>
+            <a:pPr algn="ctr"/>
+            <a:r>
+              <a:t>Created with Aspose.Slides for .NET 4.0 Client Profile 21.12.</a:t>
+            </a:r>
+          </a:p>
+          <a:p>
+            <a:pPr algn="ctr"/>
+            <a:r>
+              <a:t>Copyright 2004-2021Aspose Pty Ltd.</a:t>
+            </a:r>
+          </a:p>
+        </p:txBody>
+      </p:sp>
     </p:spTree>
   </p:cSld>
   <p:clrMapOvr>
@@ -3083,10 +3154,10 @@
 <file path=ppt/tags/tag1.xml><?xml version="1.0" encoding="utf-8"?>
 <p:tagLst xmlns:p="http://schemas.openxmlformats.org/presentationml/2006/main">
   <p:tag name="AS_NET" val="4.0.30319.42000"/>
-  <p:tag name="AS_OS" val="Microsoft Windows NT 6.2.9200.0"/>
-  <p:tag name="AS_RELEASE_DATE" val="2019.06.14"/>
+  <p:tag name="AS_OS" val="Microsoft Windows NT 6.3.9600.0"/>
+  <p:tag name="AS_RELEASE_DATE" val="2021.12.14"/>
   <p:tag name="AS_TITLE" val="Aspose.Slides for .NET 4.0 Client Profile"/>
-  <p:tag name="AS_VERSION" val="19.6"/>
+  <p:tag name="AS_VERSION" val="21.12"/>
 </p:tagLst>
 </file>
 
